--- a/trunk/slides/NETCPIntroduction.pptx
+++ b/trunk/slides/NETCPIntroduction.pptx
@@ -199,6 +199,7 @@
           <a:p>
             <a:fld id="{90D5958A-981E-4982-826A-08D17B3E6525}" type="datetimeFigureOut">
               <a:rPr lang="en-US" smtClean="0"/>
+              <a:pPr/>
               <a:t>4/3/2012</a:t>
             </a:fld>
             <a:endParaRPr lang="en-US"/>
@@ -360,6 +361,7 @@
           <a:p>
             <a:fld id="{0BD8CD58-06D3-4376-A45D-E083ADBE5AE2}" type="slidenum">
               <a:rPr lang="en-US" smtClean="0"/>
+              <a:pPr/>
               <a:t>‹#›</a:t>
             </a:fld>
             <a:endParaRPr lang="en-US"/>
@@ -3902,39 +3904,11 @@
                   <a:srgbClr val="FF0000"/>
                 </a:solidFill>
               </a:rPr>
-              <a:t>Layer 4   - UDP</a:t>
-            </a:r>
-            <a:r>
-              <a:rPr lang="en-US" sz="3600" dirty="0" smtClean="0">
-                <a:solidFill>
-                  <a:srgbClr val="FF0000"/>
-                </a:solidFill>
-              </a:rPr>
-              <a:t>, TCP, DCCP, SCTP</a:t>
-            </a:r>
-          </a:p>
-        </p:txBody>
-      </p:sp>
-      <p:graphicFrame>
-        <p:nvGraphicFramePr>
-          <p:cNvPr id="12" name="Object 11"/>
-          <p:cNvGraphicFramePr>
-            <a:graphicFrameLocks noChangeAspect="1"/>
-          </p:cNvGraphicFramePr>
-          <p:nvPr/>
-        </p:nvGraphicFramePr>
-        <p:xfrm>
-          <a:off x="609600" y="1371600"/>
-          <a:ext cx="7611480" cy="2542887"/>
-        </p:xfrm>
-        <a:graphic>
-          <a:graphicData uri="http://schemas.openxmlformats.org/presentationml/2006/ole">
-            <p:oleObj spid="_x0000_s1029" name="Document" r:id="rId3" imgW="9143190" imgH="3054501" progId="Word.Document.12">
-              <p:link updateAutomatic="1"/>
-            </p:oleObj>
-          </a:graphicData>
-        </a:graphic>
-      </p:graphicFrame>
+              <a:t>Layer 4   - UDP, TCP, DCCP, SCTP</a:t>
+            </a:r>
+          </a:p>
+        </p:txBody>
+      </p:sp>
       <p:graphicFrame>
         <p:nvGraphicFramePr>
           <p:cNvPr id="5" name="Table 4"/>
@@ -3945,7 +3919,7 @@
         </p:nvGraphicFramePr>
         <p:xfrm>
           <a:off x="1143000" y="4191000"/>
-          <a:ext cx="6080760" cy="2177796"/>
+          <a:ext cx="6080760" cy="2313432"/>
         </p:xfrm>
         <a:graphic>
           <a:graphicData uri="http://schemas.openxmlformats.org/drawingml/2006/table">
@@ -6414,10 +6388,29 @@
               <a:rPr lang="en-US" dirty="0" smtClean="0"/>
               <a:t>Some Common Ports</a:t>
             </a:r>
-            <a:endParaRPr lang="en-US" dirty="0" smtClean="0"/>
-          </a:p>
-        </p:txBody>
-      </p:sp>
+          </a:p>
+        </p:txBody>
+      </p:sp>
+      <p:graphicFrame>
+        <p:nvGraphicFramePr>
+          <p:cNvPr id="8" name="Object 7"/>
+          <p:cNvGraphicFramePr>
+            <a:graphicFrameLocks noChangeAspect="1"/>
+          </p:cNvGraphicFramePr>
+          <p:nvPr/>
+        </p:nvGraphicFramePr>
+        <p:xfrm>
+          <a:off x="762000" y="1143000"/>
+          <a:ext cx="7923213" cy="2647033"/>
+        </p:xfrm>
+        <a:graphic>
+          <a:graphicData uri="http://schemas.openxmlformats.org/presentationml/2006/ole">
+            <p:oleObj spid="_x0000_s1030" name="Document" r:id="rId3" imgW="9143190" imgH="3054501" progId="Word.Document.12">
+              <p:embed/>
+            </p:oleObj>
+          </a:graphicData>
+        </a:graphic>
+      </p:graphicFrame>
     </p:spTree>
   </p:cSld>
   <p:clrMapOvr>
@@ -6472,15 +6465,7 @@
                   <a:srgbClr val="FF0000"/>
                 </a:solidFill>
               </a:rPr>
-              <a:t>Layer 3 - Ipv4</a:t>
-            </a:r>
-            <a:r>
-              <a:rPr lang="en-US" sz="3200" dirty="0" smtClean="0">
-                <a:solidFill>
-                  <a:srgbClr val="FF0000"/>
-                </a:solidFill>
-              </a:rPr>
-              <a:t>, Ipv6, ICMP, ICMPv6, ECN,IGMP</a:t>
+              <a:t>Layer 3 - Ipv4, Ipv6, ICMP, ICMPv6, ECN,IGMP</a:t>
             </a:r>
           </a:p>
         </p:txBody>
@@ -6617,15 +6602,7 @@
                   <a:srgbClr val="FF0000"/>
                 </a:solidFill>
               </a:rPr>
-              <a:t>Layer 2 - </a:t>
-            </a:r>
-            <a:r>
-              <a:rPr lang="en-US" sz="3200" dirty="0" smtClean="0">
-                <a:solidFill>
-                  <a:srgbClr val="FF0000"/>
-                </a:solidFill>
-              </a:rPr>
-              <a:t>Ethernet 802.3, Token Ring 802.5, PPP, X.25, FDDI, ISDN, Frame Relay</a:t>
+              <a:t>Layer 2 - Ethernet 802.3, Token Ring 802.5, PPP, X.25, FDDI, ISDN, Frame Relay</a:t>
             </a:r>
           </a:p>
           <a:p>
@@ -6637,11 +6614,6 @@
               </a:rPr>
               <a:t>ECN,IGMP</a:t>
             </a:r>
-            <a:endParaRPr lang="en-US" sz="3200" dirty="0" smtClean="0">
-              <a:solidFill>
-                <a:srgbClr val="FF0000"/>
-              </a:solidFill>
-            </a:endParaRPr>
           </a:p>
         </p:txBody>
       </p:sp>

--- a/trunk/slides/NETCPIntroduction.pptx
+++ b/trunk/slides/NETCPIntroduction.pptx
@@ -3532,8 +3532,23 @@
               <a:rPr lang="en-US" sz="4400" dirty="0">
                 <a:latin typeface="Calibri" pitchFamily="34" charset="0"/>
               </a:rPr>
-              <a:t>Packet Accelerator (PA)</a:t>
-            </a:r>
+              <a:t>Packet Accelerator (</a:t>
+            </a:r>
+            <a:r>
+              <a:rPr lang="en-US" sz="4400">
+                <a:latin typeface="Calibri" pitchFamily="34" charset="0"/>
+              </a:rPr>
+              <a:t>PA</a:t>
+            </a:r>
+            <a:r>
+              <a:rPr lang="en-US" sz="4400" smtClean="0">
+                <a:latin typeface="Calibri" pitchFamily="34" charset="0"/>
+              </a:rPr>
+              <a:t>)</a:t>
+            </a:r>
+            <a:endParaRPr lang="en-US" sz="4400" dirty="0">
+              <a:latin typeface="Calibri" pitchFamily="34" charset="0"/>
+            </a:endParaRPr>
           </a:p>
         </p:txBody>
       </p:sp>
